--- a/MiCM_workshop2020_LY.pptx
+++ b/MiCM_workshop2020_LY.pptx
@@ -5,10 +5,10 @@
     <p:sldMasterId id="2147483660" r:id="rId1"/>
   </p:sldMasterIdLst>
   <p:notesMasterIdLst>
-    <p:notesMasterId r:id="rId10"/>
+    <p:notesMasterId r:id="rId11"/>
   </p:notesMasterIdLst>
   <p:handoutMasterIdLst>
-    <p:handoutMasterId r:id="rId11"/>
+    <p:handoutMasterId r:id="rId12"/>
   </p:handoutMasterIdLst>
   <p:sldIdLst>
     <p:sldId id="262" r:id="rId2"/>
@@ -18,7 +18,8 @@
     <p:sldId id="318" r:id="rId6"/>
     <p:sldId id="320" r:id="rId7"/>
     <p:sldId id="319" r:id="rId8"/>
-    <p:sldId id="263" r:id="rId9"/>
+    <p:sldId id="321" r:id="rId9"/>
+    <p:sldId id="263" r:id="rId10"/>
   </p:sldIdLst>
   <p:sldSz cx="9144000" cy="6858000" type="screen4x3"/>
   <p:notesSz cx="6858000" cy="9144000"/>
@@ -129,6 +130,7 @@
             <p14:sldId id="318"/>
             <p14:sldId id="320"/>
             <p14:sldId id="319"/>
+            <p14:sldId id="321"/>
             <p14:sldId id="263"/>
           </p14:sldIdLst>
         </p14:section>
@@ -238,7 +240,7 @@
           <a:p>
             <a:fld id="{20E3F7C2-2989-D741-BEB3-ECB28679A60F}" type="datetimeFigureOut">
               <a:rPr lang="en-US" smtClean="0"/>
-              <a:t>2/17/20</a:t>
+              <a:t>2/26/20</a:t>
             </a:fld>
             <a:endParaRPr lang="en-US"/>
           </a:p>
@@ -415,7 +417,7 @@
           <a:p>
             <a:fld id="{217E5156-1B5D-054E-B5B2-E1B1BA160252}" type="datetimeFigureOut">
               <a:rPr lang="fr-FR" smtClean="0"/>
-              <a:t>17/02/2020</a:t>
+              <a:t>26/02/2020</a:t>
             </a:fld>
             <a:endParaRPr lang="fr-FR"/>
           </a:p>
@@ -3757,6 +3759,9 @@
                       <m:funcPr>
                         <m:ctrlPr>
                           <a:rPr lang="en-CA" b="0" i="1" smtClean="0">
+                            <a:solidFill>
+                              <a:srgbClr val="FF0000"/>
+                            </a:solidFill>
                             <a:latin typeface="Cambria Math" panose="02040503050406030204" pitchFamily="18" charset="0"/>
                           </a:rPr>
                         </m:ctrlPr>
@@ -3767,6 +3772,9 @@
                             <m:sty m:val="p"/>
                           </m:rPr>
                           <a:rPr lang="en-CA" b="0" i="0" smtClean="0">
+                            <a:solidFill>
+                              <a:srgbClr val="FF0000"/>
+                            </a:solidFill>
                             <a:latin typeface="Cambria Math" panose="02040503050406030204" pitchFamily="18" charset="0"/>
                           </a:rPr>
                           <m:t>exp</m:t>
@@ -3775,6 +3783,9 @@
                       <m:e>
                         <m:r>
                           <a:rPr lang="en-CA" b="0" i="1" smtClean="0">
+                            <a:solidFill>
+                              <a:srgbClr val="FF0000"/>
+                            </a:solidFill>
                             <a:latin typeface="Cambria Math" panose="02040503050406030204" pitchFamily="18" charset="0"/>
                           </a:rPr>
                           <m:t>𝑥</m:t>
@@ -3783,6 +3794,9 @@
                     </m:func>
                     <m:r>
                       <a:rPr lang="en-CA" b="0" i="1" smtClean="0">
+                        <a:solidFill>
+                          <a:srgbClr val="FF0000"/>
+                        </a:solidFill>
                         <a:latin typeface="Cambria Math" panose="02040503050406030204" pitchFamily="18" charset="0"/>
                       </a:rPr>
                       <m:t>+</m:t>
@@ -3791,6 +3805,9 @@
                       <m:fPr>
                         <m:ctrlPr>
                           <a:rPr lang="en-CA" b="0" i="1" smtClean="0">
+                            <a:solidFill>
+                              <a:srgbClr val="FF0000"/>
+                            </a:solidFill>
                             <a:latin typeface="Cambria Math" panose="02040503050406030204" pitchFamily="18" charset="0"/>
                           </a:rPr>
                         </m:ctrlPr>
@@ -3800,6 +3817,9 @@
                           <m:sSupPr>
                             <m:ctrlPr>
                               <a:rPr lang="en-CA" b="0" i="1" smtClean="0">
+                                <a:solidFill>
+                                  <a:srgbClr val="FF0000"/>
+                                </a:solidFill>
                                 <a:latin typeface="Cambria Math" panose="02040503050406030204" pitchFamily="18" charset="0"/>
                               </a:rPr>
                             </m:ctrlPr>
@@ -3807,6 +3827,9 @@
                           <m:e>
                             <m:r>
                               <a:rPr lang="en-CA" b="0" i="1" smtClean="0">
+                                <a:solidFill>
+                                  <a:srgbClr val="FF0000"/>
+                                </a:solidFill>
                                 <a:latin typeface="Cambria Math" panose="02040503050406030204" pitchFamily="18" charset="0"/>
                               </a:rPr>
                               <m:t>𝑥</m:t>
@@ -3815,6 +3838,9 @@
                           <m:sup>
                             <m:r>
                               <a:rPr lang="en-CA" b="0" i="1" smtClean="0">
+                                <a:solidFill>
+                                  <a:srgbClr val="FF0000"/>
+                                </a:solidFill>
                                 <a:latin typeface="Cambria Math" panose="02040503050406030204" pitchFamily="18" charset="0"/>
                               </a:rPr>
                               <m:t>2</m:t>
@@ -3825,6 +3851,9 @@
                       <m:den>
                         <m:r>
                           <a:rPr lang="en-CA" b="0" i="1" smtClean="0">
+                            <a:solidFill>
+                              <a:srgbClr val="FF0000"/>
+                            </a:solidFill>
                             <a:latin typeface="Cambria Math" panose="02040503050406030204" pitchFamily="18" charset="0"/>
                           </a:rPr>
                           <m:t>1+</m:t>
@@ -3833,6 +3862,9 @@
                           <m:sSupPr>
                             <m:ctrlPr>
                               <a:rPr lang="en-CA" b="0" i="1" smtClean="0">
+                                <a:solidFill>
+                                  <a:srgbClr val="FF0000"/>
+                                </a:solidFill>
                                 <a:latin typeface="Cambria Math" panose="02040503050406030204" pitchFamily="18" charset="0"/>
                               </a:rPr>
                             </m:ctrlPr>
@@ -3840,6 +3872,9 @@
                           <m:e>
                             <m:r>
                               <a:rPr lang="en-CA" b="0" i="1" smtClean="0">
+                                <a:solidFill>
+                                  <a:srgbClr val="FF0000"/>
+                                </a:solidFill>
                                 <a:latin typeface="Cambria Math" panose="02040503050406030204" pitchFamily="18" charset="0"/>
                               </a:rPr>
                               <m:t>𝑥</m:t>
@@ -3848,6 +3883,9 @@
                           <m:sup>
                             <m:r>
                               <a:rPr lang="en-CA" b="0" i="1" smtClean="0">
+                                <a:solidFill>
+                                  <a:srgbClr val="FF0000"/>
+                                </a:solidFill>
                                 <a:latin typeface="Cambria Math" panose="02040503050406030204" pitchFamily="18" charset="0"/>
                               </a:rPr>
                               <m:t>2</m:t>
@@ -3858,6 +3896,9 @@
                     </m:f>
                     <m:r>
                       <a:rPr lang="en-CA" b="0" i="1" smtClean="0">
+                        <a:solidFill>
+                          <a:srgbClr val="FF0000"/>
+                        </a:solidFill>
                         <a:latin typeface="Cambria Math" panose="02040503050406030204" pitchFamily="18" charset="0"/>
                       </a:rPr>
                       <m:t>+</m:t>
@@ -3866,6 +3907,9 @@
                       <m:fPr>
                         <m:ctrlPr>
                           <a:rPr lang="en-CA" b="0" i="1" smtClean="0">
+                            <a:solidFill>
+                              <a:srgbClr val="FF0000"/>
+                            </a:solidFill>
                             <a:latin typeface="Cambria Math" panose="02040503050406030204" pitchFamily="18" charset="0"/>
                           </a:rPr>
                         </m:ctrlPr>
@@ -3875,6 +3919,9 @@
                           <m:funcPr>
                             <m:ctrlPr>
                               <a:rPr lang="en-CA" b="0" i="1" smtClean="0">
+                                <a:solidFill>
+                                  <a:srgbClr val="FF0000"/>
+                                </a:solidFill>
                                 <a:latin typeface="Cambria Math" panose="02040503050406030204" pitchFamily="18" charset="0"/>
                               </a:rPr>
                             </m:ctrlPr>
@@ -3885,6 +3932,9 @@
                                 <m:sty m:val="p"/>
                               </m:rPr>
                               <a:rPr lang="en-CA" b="0" i="0" smtClean="0">
+                                <a:solidFill>
+                                  <a:srgbClr val="FF0000"/>
+                                </a:solidFill>
                                 <a:latin typeface="Cambria Math" panose="02040503050406030204" pitchFamily="18" charset="0"/>
                               </a:rPr>
                               <m:t>sin</m:t>
@@ -3893,12 +3943,18 @@
                           <m:e>
                             <m:r>
                               <a:rPr lang="en-CA" b="0" i="1" smtClean="0">
+                                <a:solidFill>
+                                  <a:srgbClr val="FF0000"/>
+                                </a:solidFill>
                                 <a:latin typeface="Cambria Math" panose="02040503050406030204" pitchFamily="18" charset="0"/>
                               </a:rPr>
                               <m:t>4</m:t>
                             </m:r>
                             <m:r>
                               <a:rPr lang="en-CA" b="0" i="1" smtClean="0">
+                                <a:solidFill>
+                                  <a:srgbClr val="FF0000"/>
+                                </a:solidFill>
                                 <a:latin typeface="Cambria Math" panose="02040503050406030204" pitchFamily="18" charset="0"/>
                               </a:rPr>
                               <m:t>𝑥</m:t>
@@ -3909,6 +3965,9 @@
                       <m:den>
                         <m:r>
                           <a:rPr lang="en-CA" b="0" i="1" smtClean="0">
+                            <a:solidFill>
+                              <a:srgbClr val="FF0000"/>
+                            </a:solidFill>
                             <a:latin typeface="Cambria Math" panose="02040503050406030204" pitchFamily="18" charset="0"/>
                           </a:rPr>
                           <m:t>𝑥</m:t>
@@ -4096,6 +4155,42 @@
           </a:p>
         </p:txBody>
       </p:sp>
+      <p:pic>
+        <p:nvPicPr>
+          <p:cNvPr id="4" name="Graphic 3" descr="Lightbulb and gear">
+            <a:extLst>
+              <a:ext uri="{FF2B5EF4-FFF2-40B4-BE49-F238E27FC236}">
+                <a16:creationId xmlns:a16="http://schemas.microsoft.com/office/drawing/2014/main" id="{54BE4EBD-7C43-F64E-BB9E-E69AA677336E}"/>
+              </a:ext>
+            </a:extLst>
+          </p:cNvPr>
+          <p:cNvPicPr>
+            <a:picLocks noChangeAspect="1"/>
+          </p:cNvPicPr>
+          <p:nvPr/>
+        </p:nvPicPr>
+        <p:blipFill>
+          <a:blip r:embed="rId5">
+            <a:extLst>
+              <a:ext uri="{96DAC541-7B7A-43D3-8B79-37D633B846F1}">
+                <asvg:svgBlip xmlns:asvg="http://schemas.microsoft.com/office/drawing/2016/SVG/main" r:embed="rId6"/>
+              </a:ext>
+            </a:extLst>
+          </a:blip>
+          <a:stretch>
+            <a:fillRect/>
+          </a:stretch>
+        </p:blipFill>
+        <p:spPr>
+          <a:xfrm>
+            <a:off x="0" y="0"/>
+            <a:ext cx="914400" cy="914400"/>
+          </a:xfrm>
+          <a:prstGeom prst="rect">
+            <a:avLst/>
+          </a:prstGeom>
+        </p:spPr>
+      </p:pic>
     </p:spTree>
     <p:extLst>
       <p:ext uri="{BB962C8B-B14F-4D97-AF65-F5344CB8AC3E}">
@@ -4403,6 +4498,414 @@
 </file>
 
 <file path=ppt/slides/slide8.xml><?xml version="1.0" encoding="utf-8"?>
+<p:sld xmlns:a="http://schemas.openxmlformats.org/drawingml/2006/main" xmlns:r="http://schemas.openxmlformats.org/officeDocument/2006/relationships" xmlns:p="http://schemas.openxmlformats.org/presentationml/2006/main">
+  <p:cSld>
+    <p:spTree>
+      <p:nvGrpSpPr>
+        <p:cNvPr id="1" name=""/>
+        <p:cNvGrpSpPr/>
+        <p:nvPr/>
+      </p:nvGrpSpPr>
+      <p:grpSpPr>
+        <a:xfrm>
+          <a:off x="0" y="0"/>
+          <a:ext cx="0" cy="0"/>
+          <a:chOff x="0" y="0"/>
+          <a:chExt cx="0" cy="0"/>
+        </a:xfrm>
+      </p:grpSpPr>
+      <p:sp>
+        <p:nvSpPr>
+          <p:cNvPr id="2" name="Title 1">
+            <a:extLst>
+              <a:ext uri="{FF2B5EF4-FFF2-40B4-BE49-F238E27FC236}">
+                <a16:creationId xmlns:a16="http://schemas.microsoft.com/office/drawing/2014/main" id="{AFDD09E8-107C-D944-B74D-DB645B6FE59E}"/>
+              </a:ext>
+            </a:extLst>
+          </p:cNvPr>
+          <p:cNvSpPr>
+            <a:spLocks noGrp="1"/>
+          </p:cNvSpPr>
+          <p:nvPr>
+            <p:ph type="title"/>
+          </p:nvPr>
+        </p:nvSpPr>
+        <p:spPr/>
+        <p:txBody>
+          <a:bodyPr/>
+          <a:lstStyle/>
+          <a:p>
+            <a:r>
+              <a:rPr lang="en-CA" dirty="0"/>
+              <a:t>To</a:t>
+            </a:r>
+            <a:r>
+              <a:rPr lang="en-US" altLang="zh-CN" dirty="0"/>
+              <a:t>day’s</a:t>
+            </a:r>
+            <a:r>
+              <a:rPr lang="zh-CN" altLang="en-US" dirty="0"/>
+              <a:t> </a:t>
+            </a:r>
+            <a:r>
+              <a:rPr lang="en-US" altLang="zh-CN" dirty="0"/>
+              <a:t>plan</a:t>
+            </a:r>
+            <a:endParaRPr lang="en-CA" dirty="0"/>
+          </a:p>
+        </p:txBody>
+      </p:sp>
+      <p:sp>
+        <p:nvSpPr>
+          <p:cNvPr id="3" name="Content Placeholder 2">
+            <a:extLst>
+              <a:ext uri="{FF2B5EF4-FFF2-40B4-BE49-F238E27FC236}">
+                <a16:creationId xmlns:a16="http://schemas.microsoft.com/office/drawing/2014/main" id="{B69D0B84-C131-CA4D-B5C3-777A53B5E51E}"/>
+              </a:ext>
+            </a:extLst>
+          </p:cNvPr>
+          <p:cNvSpPr>
+            <a:spLocks noGrp="1"/>
+          </p:cNvSpPr>
+          <p:nvPr>
+            <p:ph idx="1"/>
+          </p:nvPr>
+        </p:nvSpPr>
+        <p:spPr/>
+        <p:txBody>
+          <a:bodyPr>
+            <a:normAutofit/>
+          </a:bodyPr>
+          <a:lstStyle/>
+          <a:p>
+            <a:r>
+              <a:rPr lang="en-US" altLang="zh-CN" dirty="0"/>
+              <a:t>Efficient</a:t>
+            </a:r>
+            <a:r>
+              <a:rPr lang="zh-CN" altLang="en-US" dirty="0"/>
+              <a:t> </a:t>
+            </a:r>
+            <a:r>
+              <a:rPr lang="en-US" altLang="zh-CN" dirty="0"/>
+              <a:t>coding</a:t>
+            </a:r>
+          </a:p>
+          <a:p>
+            <a:pPr lvl="1"/>
+            <a:r>
+              <a:rPr lang="en-US" altLang="zh-CN" dirty="0"/>
+              <a:t>R</a:t>
+            </a:r>
+            <a:r>
+              <a:rPr lang="zh-CN" altLang="en-US" dirty="0"/>
+              <a:t> </a:t>
+            </a:r>
+            <a:r>
+              <a:rPr lang="en-US" altLang="zh-CN" dirty="0"/>
+              <a:t>objects</a:t>
+            </a:r>
+            <a:r>
+              <a:rPr lang="zh-CN" altLang="en-US" dirty="0"/>
+              <a:t> </a:t>
+            </a:r>
+            <a:r>
+              <a:rPr lang="en-US" altLang="zh-CN" dirty="0"/>
+              <a:t>(if</a:t>
+            </a:r>
+            <a:r>
+              <a:rPr lang="zh-CN" altLang="en-US" dirty="0"/>
+              <a:t> </a:t>
+            </a:r>
+            <a:r>
+              <a:rPr lang="en-US" altLang="zh-CN" dirty="0"/>
+              <a:t>necessary)</a:t>
+            </a:r>
+          </a:p>
+          <a:p>
+            <a:pPr lvl="1"/>
+            <a:r>
+              <a:rPr lang="en-US" altLang="zh-CN" dirty="0"/>
+              <a:t>Powerful</a:t>
+            </a:r>
+            <a:r>
+              <a:rPr lang="zh-CN" altLang="en-US" dirty="0"/>
+              <a:t> </a:t>
+            </a:r>
+            <a:r>
+              <a:rPr lang="en-US" altLang="zh-CN" dirty="0"/>
+              <a:t>R</a:t>
+            </a:r>
+            <a:r>
+              <a:rPr lang="zh-CN" altLang="en-US" dirty="0"/>
+              <a:t> </a:t>
+            </a:r>
+            <a:r>
+              <a:rPr lang="en-US" altLang="zh-CN" dirty="0"/>
+              <a:t>functions</a:t>
+            </a:r>
+          </a:p>
+          <a:p>
+            <a:pPr lvl="2">
+              <a:buFont typeface="System Font Regular"/>
+              <a:buChar char="-"/>
+            </a:pPr>
+            <a:r>
+              <a:rPr lang="en-US" altLang="zh-CN" dirty="0">
+                <a:latin typeface="Courier" pitchFamily="2" charset="0"/>
+              </a:rPr>
+              <a:t>aggregate(),</a:t>
+            </a:r>
+            <a:r>
+              <a:rPr lang="zh-CN" altLang="en-US" dirty="0">
+                <a:latin typeface="Courier" pitchFamily="2" charset="0"/>
+              </a:rPr>
+              <a:t> </a:t>
+            </a:r>
+            <a:r>
+              <a:rPr lang="en-US" altLang="zh-CN" dirty="0">
+                <a:latin typeface="Courier" pitchFamily="2" charset="0"/>
+              </a:rPr>
+              <a:t>by(),</a:t>
+            </a:r>
+            <a:r>
+              <a:rPr lang="zh-CN" altLang="en-US" dirty="0">
+                <a:latin typeface="Courier" pitchFamily="2" charset="0"/>
+              </a:rPr>
+              <a:t> </a:t>
+            </a:r>
+            <a:r>
+              <a:rPr lang="en-US" altLang="zh-CN" dirty="0">
+                <a:latin typeface="Courier" pitchFamily="2" charset="0"/>
+              </a:rPr>
+              <a:t>apply()</a:t>
+            </a:r>
+            <a:r>
+              <a:rPr lang="zh-CN" altLang="en-US" dirty="0">
+                <a:latin typeface="Courier" pitchFamily="2" charset="0"/>
+              </a:rPr>
+              <a:t> </a:t>
+            </a:r>
+            <a:r>
+              <a:rPr lang="en-US" altLang="zh-CN" dirty="0"/>
+              <a:t>family</a:t>
+            </a:r>
+          </a:p>
+          <a:p>
+            <a:pPr lvl="2">
+              <a:buFont typeface="System Font Regular"/>
+              <a:buChar char="-"/>
+            </a:pPr>
+            <a:r>
+              <a:rPr lang="en-US" altLang="zh-CN" dirty="0" err="1">
+                <a:latin typeface="Courier" pitchFamily="2" charset="0"/>
+              </a:rPr>
+              <a:t>ifelse</a:t>
+            </a:r>
+            <a:r>
+              <a:rPr lang="en-US" altLang="zh-CN" dirty="0">
+                <a:latin typeface="Courier" pitchFamily="2" charset="0"/>
+              </a:rPr>
+              <a:t>()</a:t>
+            </a:r>
+          </a:p>
+          <a:p>
+            <a:pPr lvl="2">
+              <a:buFont typeface="System Font Regular"/>
+              <a:buChar char="-"/>
+            </a:pPr>
+            <a:r>
+              <a:rPr lang="en-US" altLang="zh-CN" dirty="0">
+                <a:latin typeface="Courier" pitchFamily="2" charset="0"/>
+              </a:rPr>
+              <a:t>cut(),</a:t>
+            </a:r>
+            <a:r>
+              <a:rPr lang="zh-CN" altLang="en-US" dirty="0">
+                <a:latin typeface="Courier" pitchFamily="2" charset="0"/>
+              </a:rPr>
+              <a:t> </a:t>
+            </a:r>
+            <a:r>
+              <a:rPr lang="en-US" altLang="zh-CN" dirty="0">
+                <a:latin typeface="Courier" pitchFamily="2" charset="0"/>
+              </a:rPr>
+              <a:t>split()</a:t>
+            </a:r>
+          </a:p>
+          <a:p>
+            <a:pPr lvl="1"/>
+            <a:r>
+              <a:rPr lang="en-US" altLang="zh-CN" dirty="0"/>
+              <a:t>Writing</a:t>
+            </a:r>
+            <a:r>
+              <a:rPr lang="zh-CN" altLang="en-US" dirty="0"/>
+              <a:t> </a:t>
+            </a:r>
+            <a:r>
+              <a:rPr lang="en-US" altLang="zh-CN" dirty="0"/>
+              <a:t>our</a:t>
+            </a:r>
+            <a:r>
+              <a:rPr lang="zh-CN" altLang="en-US" dirty="0"/>
+              <a:t> </a:t>
+            </a:r>
+            <a:r>
+              <a:rPr lang="en-US" altLang="zh-CN" dirty="0"/>
+              <a:t>own</a:t>
+            </a:r>
+            <a:r>
+              <a:rPr lang="zh-CN" altLang="en-US" dirty="0"/>
+              <a:t> </a:t>
+            </a:r>
+            <a:r>
+              <a:rPr lang="en-US" altLang="zh-CN" dirty="0"/>
+              <a:t>functions</a:t>
+            </a:r>
+          </a:p>
+          <a:p>
+            <a:pPr lvl="2">
+              <a:buFont typeface="System Font Regular"/>
+              <a:buChar char="-"/>
+            </a:pPr>
+            <a:r>
+              <a:rPr lang="en-US" altLang="zh-CN" dirty="0">
+                <a:latin typeface="Courier" pitchFamily="2" charset="0"/>
+              </a:rPr>
+              <a:t>function()</a:t>
+            </a:r>
+          </a:p>
+          <a:p>
+            <a:r>
+              <a:rPr lang="en-US" altLang="zh-CN" dirty="0"/>
+              <a:t>Efficient</a:t>
+            </a:r>
+            <a:r>
+              <a:rPr lang="zh-CN" altLang="en-US" dirty="0"/>
+              <a:t> </a:t>
+            </a:r>
+            <a:r>
+              <a:rPr lang="en-US" altLang="zh-CN" dirty="0"/>
+              <a:t>computing</a:t>
+            </a:r>
+            <a:r>
+              <a:rPr lang="zh-CN" altLang="en-US" dirty="0"/>
+              <a:t> </a:t>
+            </a:r>
+            <a:r>
+              <a:rPr lang="en-US" altLang="zh-CN" dirty="0"/>
+              <a:t>(will</a:t>
+            </a:r>
+            <a:r>
+              <a:rPr lang="zh-CN" altLang="en-US" dirty="0"/>
+              <a:t> </a:t>
+            </a:r>
+            <a:r>
+              <a:rPr lang="en-US" altLang="zh-CN" dirty="0"/>
+              <a:t>not</a:t>
+            </a:r>
+            <a:r>
+              <a:rPr lang="zh-CN" altLang="en-US" dirty="0"/>
+              <a:t> </a:t>
+            </a:r>
+            <a:r>
+              <a:rPr lang="en-US" altLang="zh-CN" dirty="0"/>
+              <a:t>be</a:t>
+            </a:r>
+            <a:r>
+              <a:rPr lang="zh-CN" altLang="en-US" dirty="0"/>
+              <a:t> </a:t>
+            </a:r>
+            <a:r>
+              <a:rPr lang="en-US" altLang="zh-CN" dirty="0"/>
+              <a:t>covered</a:t>
+            </a:r>
+            <a:r>
+              <a:rPr lang="zh-CN" altLang="en-US" dirty="0"/>
+              <a:t> </a:t>
+            </a:r>
+            <a:r>
+              <a:rPr lang="en-US" altLang="zh-CN" dirty="0"/>
+              <a:t>today)</a:t>
+            </a:r>
+          </a:p>
+          <a:p>
+            <a:pPr lvl="1"/>
+            <a:r>
+              <a:rPr lang="en-US" altLang="zh-CN" dirty="0"/>
+              <a:t>Parallel</a:t>
+            </a:r>
+            <a:r>
+              <a:rPr lang="zh-CN" altLang="en-US" dirty="0"/>
+              <a:t> </a:t>
+            </a:r>
+            <a:r>
+              <a:rPr lang="en-US" altLang="zh-CN" dirty="0"/>
+              <a:t>computing</a:t>
+            </a:r>
+          </a:p>
+          <a:p>
+            <a:pPr lvl="1"/>
+            <a:r>
+              <a:rPr lang="en-US" altLang="zh-CN" dirty="0"/>
+              <a:t>Mixed</a:t>
+            </a:r>
+            <a:r>
+              <a:rPr lang="zh-CN" altLang="en-US" dirty="0"/>
+              <a:t> </a:t>
+            </a:r>
+            <a:r>
+              <a:rPr lang="en-US" altLang="zh-CN" dirty="0"/>
+              <a:t>programming</a:t>
+            </a:r>
+            <a:r>
+              <a:rPr lang="zh-CN" altLang="en-US" dirty="0"/>
+              <a:t> </a:t>
+            </a:r>
+            <a:r>
+              <a:rPr lang="en-US" altLang="zh-CN" dirty="0"/>
+              <a:t>(</a:t>
+            </a:r>
+            <a:r>
+              <a:rPr lang="en-US" altLang="zh-CN" dirty="0" err="1">
+                <a:latin typeface="Courier" pitchFamily="2" charset="0"/>
+              </a:rPr>
+              <a:t>Rcpp</a:t>
+            </a:r>
+            <a:r>
+              <a:rPr lang="en-US" altLang="zh-CN" dirty="0"/>
+              <a:t>,</a:t>
+            </a:r>
+            <a:r>
+              <a:rPr lang="zh-CN" altLang="en-US" dirty="0"/>
+              <a:t> </a:t>
+            </a:r>
+            <a:r>
+              <a:rPr lang="en-US" altLang="zh-CN" dirty="0"/>
+              <a:t>etc.)</a:t>
+            </a:r>
+          </a:p>
+          <a:p>
+            <a:pPr lvl="1"/>
+            <a:endParaRPr lang="en-CA" dirty="0"/>
+          </a:p>
+        </p:txBody>
+      </p:sp>
+    </p:spTree>
+    <p:extLst>
+      <p:ext uri="{BB962C8B-B14F-4D97-AF65-F5344CB8AC3E}">
+        <p14:creationId xmlns:p14="http://schemas.microsoft.com/office/powerpoint/2010/main" val="121869692"/>
+      </p:ext>
+    </p:extLst>
+  </p:cSld>
+  <p:clrMapOvr>
+    <a:masterClrMapping/>
+  </p:clrMapOvr>
+</p:sld>
+</file>
+
+<file path=ppt/slides/slide9.xml><?xml version="1.0" encoding="utf-8"?>
 <p:sld xmlns:a="http://schemas.openxmlformats.org/drawingml/2006/main" xmlns:r="http://schemas.openxmlformats.org/officeDocument/2006/relationships" xmlns:p="http://schemas.openxmlformats.org/presentationml/2006/main">
   <p:cSld>
     <p:spTree>

--- a/MiCM_workshop2020_LY.pptx
+++ b/MiCM_workshop2020_LY.pptx
@@ -240,7 +240,7 @@
           <a:p>
             <a:fld id="{20E3F7C2-2989-D741-BEB3-ECB28679A60F}" type="datetimeFigureOut">
               <a:rPr lang="en-US" smtClean="0"/>
-              <a:t>2/26/20</a:t>
+              <a:t>2/28/20</a:t>
             </a:fld>
             <a:endParaRPr lang="en-US"/>
           </a:p>
@@ -417,7 +417,7 @@
           <a:p>
             <a:fld id="{217E5156-1B5D-054E-B5B2-E1B1BA160252}" type="datetimeFigureOut">
               <a:rPr lang="fr-FR" smtClean="0"/>
-              <a:t>26/02/2020</a:t>
+              <a:t>28/02/2020</a:t>
             </a:fld>
             <a:endParaRPr lang="fr-FR"/>
           </a:p>
@@ -3721,8 +3721,8 @@
           <a:chExt cx="0" cy="0"/>
         </a:xfrm>
       </p:grpSpPr>
-      <mc:AlternateContent xmlns:mc="http://schemas.openxmlformats.org/markup-compatibility/2006">
-        <mc:Choice xmlns:a14="http://schemas.microsoft.com/office/drawing/2010/main" Requires="a14">
+      <mc:AlternateContent xmlns:mc="http://schemas.openxmlformats.org/markup-compatibility/2006" xmlns:a14="http://schemas.microsoft.com/office/drawing/2010/main">
+        <mc:Choice Requires="a14">
           <p:sp>
             <p:nvSpPr>
               <p:cNvPr id="2" name="Title 1">
@@ -3984,7 +3984,7 @@
             </p:txBody>
           </p:sp>
         </mc:Choice>
-        <mc:Fallback>
+        <mc:Fallback xmlns="">
           <p:sp>
             <p:nvSpPr>
               <p:cNvPr id="2" name="Title 1">
@@ -4084,8 +4084,16 @@
           <a:lstStyle/>
           <a:p>
             <a:r>
+              <a:rPr lang="en-US" altLang="zh-CN" dirty="0"/>
+              <a:t>Shortest</a:t>
+            </a:r>
+            <a:r>
+              <a:rPr lang="zh-CN" altLang="en-US" dirty="0"/>
+              <a:t> </a:t>
+            </a:r>
+            <a:r>
               <a:rPr lang="en-CA" dirty="0"/>
-              <a:t>Short code</a:t>
+              <a:t>code</a:t>
             </a:r>
           </a:p>
           <a:p>
@@ -4108,8 +4116,16 @@
           </a:p>
           <a:p>
             <a:r>
+              <a:rPr lang="en-US" altLang="zh-CN" dirty="0"/>
+              <a:t>Shortest</a:t>
+            </a:r>
+            <a:r>
+              <a:rPr lang="zh-CN" altLang="en-US" dirty="0"/>
+              <a:t> </a:t>
+            </a:r>
+            <a:r>
               <a:rPr lang="en-CA" dirty="0"/>
-              <a:t>Short runtime</a:t>
+              <a:t>runtime</a:t>
             </a:r>
           </a:p>
           <a:p>
@@ -4472,15 +4488,71 @@
             <a:pPr lvl="1"/>
             <a:r>
               <a:rPr lang="en-CA" dirty="0"/>
+              <a:t>These functions usually make coding and computing more efficient at the same time</a:t>
+            </a:r>
+          </a:p>
+          <a:p>
+            <a:pPr lvl="2"/>
+            <a:r>
+              <a:rPr lang="en-CA" dirty="0"/>
               <a:t>Some of them have core computations written in other languages, e.g. C, C++, Fortran</a:t>
             </a:r>
           </a:p>
           <a:p>
-            <a:pPr lvl="1"/>
-            <a:r>
-              <a:rPr lang="en-CA" dirty="0"/>
-              <a:t>These functions usually make coding and computing more efficient at the same time</a:t>
-            </a:r>
+            <a:pPr lvl="2"/>
+            <a:r>
+              <a:rPr lang="en-US" altLang="zh-CN" dirty="0"/>
+              <a:t>Some</a:t>
+            </a:r>
+            <a:r>
+              <a:rPr lang="zh-CN" altLang="en-US" dirty="0"/>
+              <a:t> </a:t>
+            </a:r>
+            <a:r>
+              <a:rPr lang="en-US" altLang="zh-CN" dirty="0"/>
+              <a:t>of</a:t>
+            </a:r>
+            <a:r>
+              <a:rPr lang="zh-CN" altLang="en-US" dirty="0"/>
+              <a:t> </a:t>
+            </a:r>
+            <a:r>
+              <a:rPr lang="en-US" altLang="zh-CN" dirty="0"/>
+              <a:t>them</a:t>
+            </a:r>
+            <a:r>
+              <a:rPr lang="zh-CN" altLang="en-US" dirty="0"/>
+              <a:t> </a:t>
+            </a:r>
+            <a:r>
+              <a:rPr lang="en-US" altLang="zh-CN" dirty="0"/>
+              <a:t>implement</a:t>
+            </a:r>
+            <a:r>
+              <a:rPr lang="zh-CN" altLang="en-US" dirty="0"/>
+              <a:t> </a:t>
+            </a:r>
+            <a:r>
+              <a:rPr lang="en-US" altLang="zh-CN" dirty="0"/>
+              <a:t>parallel</a:t>
+            </a:r>
+            <a:r>
+              <a:rPr lang="zh-CN" altLang="en-US" dirty="0"/>
+              <a:t> </a:t>
+            </a:r>
+            <a:r>
+              <a:rPr lang="en-US" altLang="zh-CN" dirty="0"/>
+              <a:t>(multi-core)</a:t>
+            </a:r>
+            <a:r>
+              <a:rPr lang="zh-CN" altLang="en-US" dirty="0"/>
+              <a:t> </a:t>
+            </a:r>
+            <a:r>
+              <a:rPr lang="en-US" altLang="zh-CN" dirty="0"/>
+              <a:t>computing</a:t>
+            </a:r>
+            <a:endParaRPr lang="en-CA" dirty="0"/>
           </a:p>
         </p:txBody>
       </p:sp>
